--- a/Posters.pptx
+++ b/Posters.pptx
@@ -6010,7 +6010,7 @@
         <p:spPr>
           <a:xfrm>
             <a:off x="378811" y="534793"/>
-            <a:ext cx="8824080" cy="892552"/>
+            <a:ext cx="8824080" cy="4462761"/>
           </a:xfrm>
           <a:prstGeom prst="rect">
             <a:avLst/>
@@ -6042,6 +6042,313 @@
               <a:latin typeface="Candara"/>
               <a:cs typeface="Candara"/>
             </a:endParaRPr>
+          </a:p>
+          <a:p>
+            <a:endParaRPr lang="fr-FR" sz="2000" dirty="0">
+              <a:solidFill>
+                <a:srgbClr val="2432E7"/>
+              </a:solidFill>
+              <a:latin typeface="Candara"/>
+              <a:cs typeface="Candara"/>
+            </a:endParaRPr>
+          </a:p>
+          <a:p>
+            <a:endParaRPr lang="fr-FR" sz="2000" dirty="0" smtClean="0">
+              <a:solidFill>
+                <a:srgbClr val="2432E7"/>
+              </a:solidFill>
+              <a:latin typeface="Candara"/>
+              <a:cs typeface="Candara"/>
+            </a:endParaRPr>
+          </a:p>
+          <a:p>
+            <a:pPr algn="just"/>
+            <a:r>
+              <a:rPr lang="fr-FR" sz="1600" dirty="0" smtClean="0">
+                <a:solidFill>
+                  <a:srgbClr val="000000"/>
+                </a:solidFill>
+                <a:latin typeface="Avenir Next Medium"/>
+                <a:cs typeface="Avenir Next Medium"/>
+              </a:rPr>
+              <a:t>La programmation d'un Intelligence artificielle pour le jeu Othello nous a permit de développer un algorithme de recherche intelligente dans un arbre. Nous avons trouvé très intéressante l'intégration de réflexions stratégiques dans le code afin d'emp</a:t>
+            </a:r>
+            <a:r>
+              <a:rPr lang="fr-FR" sz="1600" dirty="0" smtClean="0">
+                <a:solidFill>
+                  <a:srgbClr val="000000"/>
+                </a:solidFill>
+                <a:latin typeface="Avenir Next Medium"/>
+                <a:cs typeface="Avenir Next Medium"/>
+              </a:rPr>
+              <a:t>ê</a:t>
+            </a:r>
+            <a:r>
+              <a:rPr lang="fr-FR" sz="1600" dirty="0" smtClean="0">
+                <a:solidFill>
+                  <a:srgbClr val="000000"/>
+                </a:solidFill>
+                <a:latin typeface="Avenir Next Medium"/>
+                <a:cs typeface="Avenir Next Medium"/>
+              </a:rPr>
+              <a:t>cher l'étude exhaustive de tous les coups possible, mais de tout de même renvoyer un résultat optimisé.</a:t>
+            </a:r>
+          </a:p>
+          <a:p>
+            <a:pPr algn="just"/>
+            <a:endParaRPr lang="fr-FR" sz="1600" dirty="0">
+              <a:solidFill>
+                <a:srgbClr val="000000"/>
+              </a:solidFill>
+              <a:latin typeface="Avenir Next Medium"/>
+              <a:cs typeface="Avenir Next Medium"/>
+            </a:endParaRPr>
+          </a:p>
+          <a:p>
+            <a:pPr algn="just"/>
+            <a:r>
+              <a:rPr lang="fr-FR" sz="1600" dirty="0" smtClean="0">
+                <a:solidFill>
+                  <a:srgbClr val="000000"/>
+                </a:solidFill>
+                <a:latin typeface="Avenir Next Medium"/>
+                <a:cs typeface="Avenir Next Medium"/>
+              </a:rPr>
+              <a:t>Nous avons également découvert le principe des algorithmes génétiques, une méthode de programmation qui permet d'améliorer les performances d'un programme informatique, en le confrontant à lui même.</a:t>
+            </a:r>
+          </a:p>
+          <a:p>
+            <a:pPr algn="just"/>
+            <a:endParaRPr lang="fr-FR" sz="1600" dirty="0">
+              <a:solidFill>
+                <a:srgbClr val="000000"/>
+              </a:solidFill>
+              <a:latin typeface="Avenir Next Medium"/>
+              <a:cs typeface="Avenir Next Medium"/>
+            </a:endParaRPr>
+          </a:p>
+          <a:p>
+            <a:pPr algn="just"/>
+            <a:r>
+              <a:rPr lang="fr-FR" sz="1600" dirty="0" smtClean="0">
+                <a:solidFill>
+                  <a:srgbClr val="000000"/>
+                </a:solidFill>
+                <a:latin typeface="Avenir Next Medium"/>
+                <a:cs typeface="Avenir Next Medium"/>
+              </a:rPr>
+              <a:t>Bien qu'un peu déçu par l'absence de convergence de notre algorithme génétique, nous sommes heureux d'avoir pu implémenter ces programmes.</a:t>
+            </a:r>
+          </a:p>
+          <a:p>
+            <a:pPr algn="just"/>
+            <a:endParaRPr lang="fr-FR" sz="1600" dirty="0">
+              <a:solidFill>
+                <a:srgbClr val="000000"/>
+              </a:solidFill>
+              <a:latin typeface="Avenir Next Medium"/>
+              <a:cs typeface="Avenir Next Medium"/>
+            </a:endParaRPr>
+          </a:p>
+        </p:txBody>
+      </p:sp>
+      <p:cxnSp>
+        <p:nvCxnSpPr>
+          <p:cNvPr id="5" name="Connecteur droit 4"/>
+          <p:cNvCxnSpPr/>
+          <p:nvPr/>
+        </p:nvCxnSpPr>
+        <p:spPr>
+          <a:xfrm>
+            <a:off x="378811" y="5264950"/>
+            <a:ext cx="8641080" cy="1"/>
+          </a:xfrm>
+          <a:prstGeom prst="line">
+            <a:avLst/>
+          </a:prstGeom>
+          <a:effectLst/>
+        </p:spPr>
+        <p:style>
+          <a:lnRef idx="2">
+            <a:schemeClr val="accent1"/>
+          </a:lnRef>
+          <a:fillRef idx="0">
+            <a:schemeClr val="accent1"/>
+          </a:fillRef>
+          <a:effectRef idx="1">
+            <a:schemeClr val="accent1"/>
+          </a:effectRef>
+          <a:fontRef idx="minor">
+            <a:schemeClr val="tx1"/>
+          </a:fontRef>
+        </p:style>
+      </p:cxnSp>
+      <p:sp>
+        <p:nvSpPr>
+          <p:cNvPr id="6" name="ZoneTexte 5"/>
+          <p:cNvSpPr txBox="1"/>
+          <p:nvPr/>
+        </p:nvSpPr>
+        <p:spPr>
+          <a:xfrm>
+            <a:off x="480060" y="5838152"/>
+            <a:ext cx="8641080" cy="707886"/>
+          </a:xfrm>
+          <a:prstGeom prst="rect">
+            <a:avLst/>
+          </a:prstGeom>
+          <a:noFill/>
+        </p:spPr>
+        <p:txBody>
+          <a:bodyPr wrap="square" rtlCol="0">
+            <a:spAutoFit/>
+          </a:bodyPr>
+          <a:lstStyle/>
+          <a:p>
+            <a:pPr algn="just"/>
+            <a:r>
+              <a:rPr lang="fr-FR" sz="2000" dirty="0" smtClean="0">
+                <a:latin typeface="Avenir Next Medium"/>
+                <a:cs typeface="Avenir Next Medium"/>
+              </a:rPr>
+              <a:t>De</a:t>
+            </a:r>
+            <a:r>
+              <a:rPr lang="fr-FR" sz="2000" dirty="0" smtClean="0"/>
+              <a:t> </a:t>
+            </a:r>
+            <a:r>
+              <a:rPr lang="fr-FR" sz="2000" dirty="0"/>
+              <a:t>nombreuses </a:t>
+            </a:r>
+            <a:r>
+              <a:rPr lang="fr-FR" sz="2000" dirty="0" smtClean="0"/>
+              <a:t>pistes </a:t>
+            </a:r>
+            <a:r>
+              <a:rPr lang="fr-FR" sz="2000" dirty="0"/>
+              <a:t>de recherche et améliorations de notre programme sont </a:t>
+            </a:r>
+            <a:r>
+              <a:rPr lang="fr-FR" sz="2000" dirty="0" smtClean="0"/>
+              <a:t>envisageables.</a:t>
+            </a:r>
+            <a:endParaRPr lang="fr-FR" sz="2000" dirty="0">
+              <a:latin typeface="Avenir Next Medium"/>
+              <a:cs typeface="Avenir Next Medium"/>
+            </a:endParaRPr>
+          </a:p>
+        </p:txBody>
+      </p:sp>
+      <p:sp>
+        <p:nvSpPr>
+          <p:cNvPr id="8" name="ZoneTexte 7"/>
+          <p:cNvSpPr txBox="1"/>
+          <p:nvPr/>
+        </p:nvSpPr>
+        <p:spPr>
+          <a:xfrm>
+            <a:off x="1114150" y="6996870"/>
+            <a:ext cx="8006989" cy="4770537"/>
+          </a:xfrm>
+          <a:prstGeom prst="rect">
+            <a:avLst/>
+          </a:prstGeom>
+          <a:noFill/>
+        </p:spPr>
+        <p:txBody>
+          <a:bodyPr wrap="square" rtlCol="0">
+            <a:spAutoFit/>
+          </a:bodyPr>
+          <a:lstStyle/>
+          <a:p>
+            <a:pPr marL="457200" indent="-457200" algn="just">
+              <a:buAutoNum type="arabicPeriod"/>
+            </a:pPr>
+            <a:r>
+              <a:rPr lang="fr-FR" sz="1600" dirty="0" smtClean="0">
+                <a:latin typeface="Avenir Next Medium"/>
+                <a:cs typeface="Avenir Next Medium"/>
+              </a:rPr>
+              <a:t>Une recherche plus importante en ce qui concerne le calcul du score est bien évidement une piste intéressante. Par exemple, les logiciels professionnels se servent de méthodes de reconnaissance de victoires basées sur les patterns de pions.</a:t>
+            </a:r>
+          </a:p>
+          <a:p>
+            <a:pPr marL="457200" indent="-457200" algn="just">
+              <a:buAutoNum type="arabicPeriod"/>
+            </a:pPr>
+            <a:endParaRPr lang="fr-FR" sz="1600" dirty="0" smtClean="0">
+              <a:latin typeface="Avenir Next Medium"/>
+              <a:cs typeface="Avenir Next Medium"/>
+            </a:endParaRPr>
+          </a:p>
+          <a:p>
+            <a:pPr marL="457200" indent="-457200" algn="just">
+              <a:buAutoNum type="arabicPeriod"/>
+            </a:pPr>
+            <a:r>
+              <a:rPr lang="fr-FR" sz="1600" dirty="0" smtClean="0">
+                <a:latin typeface="Avenir Next Medium"/>
+                <a:cs typeface="Avenir Next Medium"/>
+              </a:rPr>
+              <a:t>Une optimisation des valeurs attribuées aux cases dans le calcul du score de position apparait également comme une amélioration possible.</a:t>
+            </a:r>
+          </a:p>
+          <a:p>
+            <a:pPr marL="457200" indent="-457200" algn="just">
+              <a:buAutoNum type="arabicPeriod"/>
+            </a:pPr>
+            <a:endParaRPr lang="fr-FR" sz="1600" dirty="0" smtClean="0">
+              <a:latin typeface="Avenir Next Medium"/>
+              <a:cs typeface="Avenir Next Medium"/>
+            </a:endParaRPr>
+          </a:p>
+          <a:p>
+            <a:pPr marL="457200" indent="-457200" algn="just">
+              <a:buAutoNum type="arabicPeriod"/>
+            </a:pPr>
+            <a:r>
+              <a:rPr lang="fr-FR" sz="1600" dirty="0" smtClean="0">
+                <a:latin typeface="Avenir Next Medium"/>
+                <a:cs typeface="Avenir Next Medium"/>
+              </a:rPr>
+              <a:t>Dans l'algorithme </a:t>
+            </a:r>
+            <a:r>
+              <a:rPr lang="fr-FR" sz="1600" dirty="0" err="1" smtClean="0">
+                <a:latin typeface="Avenir Next Medium"/>
+                <a:cs typeface="Avenir Next Medium"/>
+              </a:rPr>
+              <a:t>minmax</a:t>
+            </a:r>
+            <a:r>
+              <a:rPr lang="fr-FR" sz="1600" dirty="0" smtClean="0">
+                <a:latin typeface="Avenir Next Medium"/>
+                <a:cs typeface="Avenir Next Medium"/>
+              </a:rPr>
+              <a:t>, il pourrait être intéressant de garder d'une itération sur l'autre le meilleur parcours trouvé, pour recommencer l'étude à l'itération suivante à partir de ce dernier, et donc permettre plus facilement des coupes alpha-beta.</a:t>
+            </a:r>
+          </a:p>
+          <a:p>
+            <a:pPr marL="457200" indent="-457200" algn="just">
+              <a:buAutoNum type="arabicPeriod"/>
+            </a:pPr>
+            <a:endParaRPr lang="fr-FR" sz="1600" dirty="0" smtClean="0">
+              <a:latin typeface="Avenir Next Medium"/>
+              <a:cs typeface="Avenir Next Medium"/>
+            </a:endParaRPr>
+          </a:p>
+          <a:p>
+            <a:pPr marL="457200" indent="-457200" algn="just">
+              <a:buAutoNum type="arabicPeriod"/>
+            </a:pPr>
+            <a:r>
+              <a:rPr lang="fr-FR" sz="1600" dirty="0" smtClean="0">
+                <a:latin typeface="Avenir Next Medium"/>
+                <a:cs typeface="Avenir Next Medium"/>
+              </a:rPr>
+              <a:t>Enfin, compte tenu de la convergence difficile de l'algorithme génétique, plusieurs pistes d'amélioration sont envisageables. Il serait possible de restreindre l'ensemble des valeurs prises par les coefficients, de façon à contraindre l'évolution de l'algorithme vers un type de stratégie. On pourrait aussi améliorer le façon dont se fait la sélection, et le croisement pour favoriser certaines bonnes configurations de coefficients.</a:t>
+            </a:r>
           </a:p>
         </p:txBody>
       </p:sp>
